--- a/MLP_Project/0409_/210409_MLP.pptx
+++ b/MLP_Project/0409_/210409_MLP.pptx
@@ -8069,7 +8069,7 @@
               </a:lnSpc>
             </a:pPr>
             <a:r>
-              <a:rPr lang="en-US" altLang="ko-KR"/>
+              <a:rPr lang="en-US" altLang="ko-KR" dirty="0"/>
               <a:t>Item pod assignment </a:t>
             </a:r>
           </a:p>
@@ -8080,7 +8080,7 @@
               </a:lnSpc>
             </a:pPr>
             <a:r>
-              <a:rPr lang="en-US" altLang="ko-KR"/>
+              <a:rPr lang="en-US" altLang="ko-KR" dirty="0"/>
               <a:t>Develop initial state</a:t>
             </a:r>
           </a:p>
@@ -8091,14 +8091,14 @@
               </a:lnSpc>
             </a:pPr>
             <a:r>
-              <a:rPr lang="en-US" altLang="ko-KR" b="1"/>
+              <a:rPr lang="en-US" altLang="ko-KR" b="1" dirty="0"/>
               <a:t>Classification</a:t>
             </a:r>
             <a:r>
-              <a:rPr lang="en-US" altLang="ko-KR"/>
+              <a:rPr lang="en-US" altLang="ko-KR" dirty="0"/>
               <a:t> based on frequency, similarity, importance</a:t>
             </a:r>
-            <a:endParaRPr lang="en-US" altLang="ko-KR" sz="1600"/>
+            <a:endParaRPr lang="en-US" altLang="ko-KR" sz="1600" dirty="0"/>
           </a:p>
           <a:p>
             <a:pPr lvl="1">
@@ -8107,15 +8107,15 @@
               </a:lnSpc>
             </a:pPr>
             <a:r>
-              <a:rPr lang="en-US" altLang="ko-KR" sz="1600"/>
+              <a:rPr lang="en-US" altLang="ko-KR" sz="1600" dirty="0"/>
               <a:t>Apply </a:t>
             </a:r>
             <a:r>
-              <a:rPr lang="en-US" altLang="ko-KR" sz="1600" b="1"/>
+              <a:rPr lang="en-US" altLang="ko-KR" sz="1600" b="1" dirty="0"/>
               <a:t>similarity value </a:t>
             </a:r>
             <a:r>
-              <a:rPr lang="en-US" altLang="ko-KR" sz="1600"/>
+              <a:rPr lang="en-US" altLang="ko-KR" sz="1600" dirty="0"/>
               <a:t>of more than three Items</a:t>
             </a:r>
           </a:p>
@@ -8126,14 +8126,14 @@
               </a:lnSpc>
             </a:pPr>
             <a:r>
-              <a:rPr lang="en-US" altLang="ko-KR" b="1"/>
+              <a:rPr lang="en-US" altLang="ko-KR" b="1" dirty="0"/>
               <a:t>Store on A Pod </a:t>
             </a:r>
             <a:r>
-              <a:rPr lang="en-US" altLang="ko-KR"/>
+              <a:rPr lang="en-US" altLang="ko-KR" dirty="0"/>
               <a:t>based on classification and similarity value</a:t>
             </a:r>
-            <a:endParaRPr lang="en-US" altLang="ko-KR" sz="1600"/>
+            <a:endParaRPr lang="en-US" altLang="ko-KR" sz="1600" dirty="0"/>
           </a:p>
           <a:p>
             <a:pPr lvl="1">
@@ -8142,7 +8142,7 @@
               </a:lnSpc>
             </a:pPr>
             <a:r>
-              <a:rPr lang="en-US" altLang="ko-KR"/>
+              <a:rPr lang="en-US" altLang="ko-KR" dirty="0"/>
               <a:t>Algorithm</a:t>
             </a:r>
           </a:p>
@@ -8153,7 +8153,7 @@
               </a:lnSpc>
             </a:pPr>
             <a:r>
-              <a:rPr lang="en-US" altLang="ko-KR"/>
+              <a:rPr lang="en-US" altLang="ko-KR" dirty="0"/>
               <a:t>Constructive Heuristic : Select High Demand Item</a:t>
             </a:r>
           </a:p>
@@ -8164,7 +8164,7 @@
               </a:lnSpc>
             </a:pPr>
             <a:r>
-              <a:rPr lang="en-US" altLang="ko-KR"/>
+              <a:rPr lang="en-US" altLang="ko-KR" dirty="0"/>
               <a:t>Heuristic Initialization Extensions : Select Representation Item based on matrix</a:t>
             </a:r>
           </a:p>
@@ -8175,7 +8175,7 @@
               </a:lnSpc>
             </a:pPr>
             <a:r>
-              <a:rPr lang="en-US" altLang="ko-KR"/>
+              <a:rPr lang="en-US" altLang="ko-KR" dirty="0"/>
               <a:t>Re-optimization Heuristic </a:t>
             </a:r>
           </a:p>
@@ -8186,7 +8186,7 @@
               </a:lnSpc>
             </a:pPr>
             <a:r>
-              <a:rPr lang="en-US" altLang="ko-KR"/>
+              <a:rPr lang="en-US" altLang="ko-KR" dirty="0"/>
               <a:t>Related papers</a:t>
             </a:r>
           </a:p>
@@ -8197,7 +8197,7 @@
               </a:lnSpc>
             </a:pPr>
             <a:r>
-              <a:rPr lang="en-US" altLang="ko-KR" sz="1400"/>
+              <a:rPr lang="en-US" altLang="ko-KR" sz="1400" dirty="0"/>
               <a:t>“Item Assignment Problem in a Robotic Mobile Fulfillment System”, Hyun-Jung Kim..</a:t>
             </a:r>
           </a:p>
@@ -8207,7 +8207,7 @@
                 <a:spcPct val="150000"/>
               </a:lnSpc>
             </a:pPr>
-            <a:endParaRPr lang="en-US" altLang="ko-KR"/>
+            <a:endParaRPr lang="en-US" altLang="ko-KR" dirty="0"/>
           </a:p>
           <a:p>
             <a:pPr lvl="1">
@@ -8215,7 +8215,7 @@
                 <a:spcPct val="150000"/>
               </a:lnSpc>
             </a:pPr>
-            <a:endParaRPr lang="en-US" altLang="ko-KR" sz="1600"/>
+            <a:endParaRPr lang="en-US" altLang="ko-KR" sz="1600" dirty="0"/>
           </a:p>
           <a:p>
             <a:pPr lvl="1">
@@ -8223,7 +8223,7 @@
                 <a:spcPct val="150000"/>
               </a:lnSpc>
             </a:pPr>
-            <a:endParaRPr lang="ko-KR" altLang="en-US"/>
+            <a:endParaRPr lang="ko-KR" altLang="en-US" dirty="0"/>
           </a:p>
         </p:txBody>
       </p:sp>
@@ -8927,7 +8927,7 @@
               </a:lnSpc>
             </a:pPr>
             <a:r>
-              <a:rPr lang="en-US" altLang="ko-KR"/>
+              <a:rPr lang="en-US" altLang="ko-KR" dirty="0"/>
               <a:t>Association of items</a:t>
             </a:r>
           </a:p>
@@ -8938,7 +8938,7 @@
               </a:lnSpc>
             </a:pPr>
             <a:r>
-              <a:rPr lang="en-US" altLang="ko-KR" sz="1600"/>
+              <a:rPr lang="en-US" altLang="ko-KR" sz="1600" dirty="0"/>
               <a:t>Through the Market basket analysis (Kaggle data)</a:t>
             </a:r>
           </a:p>
@@ -8949,10 +8949,10 @@
               </a:lnSpc>
             </a:pPr>
             <a:r>
-              <a:rPr lang="en-US" altLang="ko-KR" sz="1600"/>
+              <a:rPr lang="en-US" altLang="ko-KR" sz="1600" dirty="0"/>
               <a:t>Add Pod Storage Assignment Decision Rules</a:t>
             </a:r>
-            <a:endParaRPr lang="en-US" altLang="ko-KR"/>
+            <a:endParaRPr lang="en-US" altLang="ko-KR" dirty="0"/>
           </a:p>
           <a:p>
             <a:pPr lvl="1">
@@ -8961,10 +8961,10 @@
               </a:lnSpc>
             </a:pPr>
             <a:r>
-              <a:rPr lang="en-US" altLang="ko-KR"/>
+              <a:rPr lang="en-US" altLang="ko-KR" dirty="0"/>
               <a:t>2 Constraints</a:t>
             </a:r>
-            <a:endParaRPr lang="en-US" altLang="ko-KR" sz="1800"/>
+            <a:endParaRPr lang="en-US" altLang="ko-KR" sz="1800" dirty="0"/>
           </a:p>
           <a:p>
             <a:pPr lvl="2">
@@ -8973,7 +8973,7 @@
               </a:lnSpc>
             </a:pPr>
             <a:r>
-              <a:rPr lang="en-US" altLang="ko-KR"/>
+              <a:rPr lang="en-US" altLang="ko-KR" dirty="0"/>
               <a:t>Place the related product nearby</a:t>
             </a:r>
           </a:p>
@@ -8984,7 +8984,7 @@
               </a:lnSpc>
             </a:pPr>
             <a:r>
-              <a:rPr lang="en-US" altLang="ko-KR"/>
+              <a:rPr lang="en-US" altLang="ko-KR" dirty="0"/>
               <a:t>Place the unrelated products faraway</a:t>
             </a:r>
           </a:p>
@@ -8995,7 +8995,7 @@
               </a:lnSpc>
             </a:pPr>
             <a:r>
-              <a:rPr lang="en-US" altLang="ko-KR"/>
+              <a:rPr lang="en-US" altLang="ko-KR" dirty="0"/>
               <a:t>Algorithm</a:t>
             </a:r>
           </a:p>
@@ -9006,8 +9006,12 @@
               </a:lnSpc>
             </a:pPr>
             <a:r>
-              <a:rPr lang="en-US" altLang="ko-KR"/>
-              <a:t>Apriori Algorithm</a:t>
+              <a:rPr lang="en-US" altLang="ko-KR" dirty="0" err="1"/>
+              <a:t>Apriori</a:t>
+            </a:r>
+            <a:r>
+              <a:rPr lang="en-US" altLang="ko-KR" dirty="0"/>
+              <a:t> Algorithm</a:t>
             </a:r>
           </a:p>
           <a:p>
@@ -9017,8 +9021,12 @@
               </a:lnSpc>
             </a:pPr>
             <a:r>
-              <a:rPr lang="en-US" altLang="ko-KR"/>
-              <a:t>finde frequent item sets in a data using prior knowledge of frequent itemset properties.</a:t>
+              <a:rPr lang="en-US" altLang="ko-KR" dirty="0" err="1"/>
+              <a:t>finde</a:t>
+            </a:r>
+            <a:r>
+              <a:rPr lang="en-US" altLang="ko-KR" dirty="0"/>
+              <a:t> frequent item sets in a data using prior knowledge of frequent itemset properties.</a:t>
             </a:r>
           </a:p>
           <a:p>
@@ -9028,8 +9036,12 @@
               </a:lnSpc>
             </a:pPr>
             <a:r>
-              <a:rPr lang="en-US" altLang="ko-KR"/>
-              <a:t>Limitiation : Slow for large item sets</a:t>
+              <a:rPr lang="en-US" altLang="ko-KR" dirty="0" err="1"/>
+              <a:t>Limitiation</a:t>
+            </a:r>
+            <a:r>
+              <a:rPr lang="en-US" altLang="ko-KR" dirty="0"/>
+              <a:t> : Slow for large item sets</a:t>
             </a:r>
           </a:p>
           <a:p>
@@ -9039,7 +9051,7 @@
               </a:lnSpc>
             </a:pPr>
             <a:r>
-              <a:rPr lang="en-US" altLang="ko-KR" i="0">
+              <a:rPr lang="en-US" altLang="ko-KR" i="0" dirty="0">
                 <a:solidFill>
                   <a:srgbClr val="222222"/>
                 </a:solidFill>
@@ -9056,17 +9068,27 @@
               </a:lnSpc>
             </a:pPr>
             <a:r>
-              <a:rPr lang="en-US" altLang="ko-KR" b="0" i="0">
+              <a:rPr lang="en-US" altLang="ko-KR" b="0" i="0" dirty="0" err="1">
                 <a:solidFill>
                   <a:srgbClr val="222222"/>
                 </a:solidFill>
                 <a:effectLst/>
                 <a:latin typeface="Arial" panose="020B0604020202020204" pitchFamily="34" charset="0"/>
               </a:rPr>
-              <a:t>Hruschka, H. (2014). Analyzing market baskets by </a:t>
-            </a:r>
-            <a:r>
-              <a:rPr lang="en-US" altLang="ko-KR" b="1" i="0">
+              <a:t>Hruschka</a:t>
+            </a:r>
+            <a:r>
+              <a:rPr lang="en-US" altLang="ko-KR" b="0" i="0" dirty="0">
+                <a:solidFill>
+                  <a:srgbClr val="222222"/>
+                </a:solidFill>
+                <a:effectLst/>
+                <a:latin typeface="Arial" panose="020B0604020202020204" pitchFamily="34" charset="0"/>
+              </a:rPr>
+              <a:t>, H. (2014). Analyzing market baskets by </a:t>
+            </a:r>
+            <a:r>
+              <a:rPr lang="en-US" altLang="ko-KR" b="1" i="0" dirty="0">
                 <a:solidFill>
                   <a:srgbClr val="222222"/>
                 </a:solidFill>
@@ -9076,7 +9098,7 @@
               <a:t>restricted Boltzmann machines</a:t>
             </a:r>
             <a:r>
-              <a:rPr lang="en-US" altLang="ko-KR" b="0" i="0">
+              <a:rPr lang="en-US" altLang="ko-KR" b="0" i="0" dirty="0">
                 <a:solidFill>
                   <a:srgbClr val="222222"/>
                 </a:solidFill>
@@ -9086,7 +9108,7 @@
               <a:t>. OR spectrum, 36(1), 209-228.</a:t>
             </a:r>
             <a:r>
-              <a:rPr lang="en-US" altLang="ko-KR"/>
+              <a:rPr lang="en-US" altLang="ko-KR" dirty="0"/>
               <a:t> </a:t>
             </a:r>
           </a:p>
@@ -9097,7 +9119,7 @@
               </a:lnSpc>
             </a:pPr>
             <a:r>
-              <a:rPr lang="en-US" altLang="ko-KR"/>
+              <a:rPr lang="en-US" altLang="ko-KR" dirty="0"/>
               <a:t>Using Neural Network</a:t>
             </a:r>
           </a:p>
@@ -9107,7 +9129,7 @@
                 <a:spcPct val="150000"/>
               </a:lnSpc>
             </a:pPr>
-            <a:endParaRPr lang="en-US" altLang="ko-KR"/>
+            <a:endParaRPr lang="en-US" altLang="ko-KR" dirty="0"/>
           </a:p>
           <a:p>
             <a:pPr lvl="1">
@@ -9115,7 +9137,7 @@
                 <a:spcPct val="150000"/>
               </a:lnSpc>
             </a:pPr>
-            <a:endParaRPr lang="en-US" altLang="ko-KR" sz="1600"/>
+            <a:endParaRPr lang="en-US" altLang="ko-KR" sz="1600" dirty="0"/>
           </a:p>
           <a:p>
             <a:pPr lvl="1">
@@ -9123,7 +9145,7 @@
                 <a:spcPct val="150000"/>
               </a:lnSpc>
             </a:pPr>
-            <a:endParaRPr lang="ko-KR" altLang="en-US"/>
+            <a:endParaRPr lang="ko-KR" altLang="en-US" dirty="0"/>
           </a:p>
         </p:txBody>
       </p:sp>
@@ -9250,7 +9272,7 @@
               </a:lnSpc>
             </a:pPr>
             <a:r>
-              <a:rPr lang="en-US" altLang="ko-KR"/>
+              <a:rPr lang="en-US" altLang="ko-KR" dirty="0"/>
               <a:t>Idea selection</a:t>
             </a:r>
           </a:p>
@@ -9261,8 +9283,8 @@
               </a:lnSpc>
             </a:pPr>
             <a:r>
-              <a:rPr lang="en-US" altLang="ko-KR"/>
-              <a:t>Integrate 1 and 3 </a:t>
+              <a:rPr lang="en-US" altLang="ko-KR" dirty="0"/>
+              <a:t>Integrate 1 and 3 (Classification)</a:t>
             </a:r>
           </a:p>
           <a:p>
@@ -9272,7 +9294,7 @@
               </a:lnSpc>
             </a:pPr>
             <a:r>
-              <a:rPr lang="en-US" altLang="ko-KR"/>
+              <a:rPr lang="en-US" altLang="ko-KR" dirty="0"/>
               <a:t>Item pod assignment  &amp; Association of items</a:t>
             </a:r>
           </a:p>
@@ -9283,8 +9305,8 @@
               </a:lnSpc>
             </a:pPr>
             <a:r>
-              <a:rPr lang="en-US" altLang="ko-KR"/>
-              <a:t>Classification</a:t>
+              <a:rPr lang="en-US" altLang="ko-KR" dirty="0"/>
+              <a:t>A Pod selection based on similarity (items)</a:t>
             </a:r>
           </a:p>
           <a:p>
@@ -9294,8 +9316,15 @@
               </a:lnSpc>
             </a:pPr>
             <a:r>
-              <a:rPr lang="en-US" altLang="ko-KR"/>
-              <a:t>Pod selection based on similarity (items)</a:t>
+              <a:rPr lang="en-US" altLang="ko-KR" dirty="0"/>
+              <a:t>Pods arrangement based on association (pods)</a:t>
+            </a:r>
+            <a:br>
+              <a:rPr lang="en-US" altLang="ko-KR" dirty="0"/>
+            </a:br>
+            <a:r>
+              <a:rPr lang="en-US" altLang="ko-KR" dirty="0"/>
+              <a:t>→ Require several mobile robot</a:t>
             </a:r>
           </a:p>
           <a:p>
@@ -9305,9 +9334,25 @@
               </a:lnSpc>
             </a:pPr>
             <a:r>
-              <a:rPr lang="en-US" altLang="ko-KR"/>
-              <a:t>Pod arrangement based on association (pods)</a:t>
-            </a:r>
+              <a:rPr lang="en-US" altLang="ko-KR" dirty="0"/>
+              <a:t>Selection based on performance comparison (Choose one)</a:t>
+            </a:r>
+          </a:p>
+          <a:p>
+            <a:pPr lvl="3">
+              <a:lnSpc>
+                <a:spcPct val="100000"/>
+              </a:lnSpc>
+            </a:pPr>
+            <a:r>
+              <a:rPr lang="en-US" altLang="ko-KR" dirty="0"/>
+              <a:t>Or Make a related pod through </a:t>
+            </a:r>
+            <a:r>
+              <a:rPr lang="en-US" altLang="ko-KR" sz="1400" dirty="0"/>
+              <a:t>Market basket analysis (Integrate)</a:t>
+            </a:r>
+            <a:endParaRPr lang="en-US" altLang="ko-KR" dirty="0"/>
           </a:p>
           <a:p>
             <a:pPr lvl="1">
@@ -9316,7 +9361,7 @@
               </a:lnSpc>
             </a:pPr>
             <a:r>
-              <a:rPr lang="en-US" altLang="ko-KR" sz="1600"/>
+              <a:rPr lang="en-US" altLang="ko-KR" sz="1600" dirty="0"/>
               <a:t>Make a order</a:t>
             </a:r>
           </a:p>
@@ -9327,7 +9372,7 @@
               </a:lnSpc>
             </a:pPr>
             <a:r>
-              <a:rPr lang="en-US" altLang="ko-KR"/>
+              <a:rPr lang="en-US" altLang="ko-KR" dirty="0"/>
               <a:t>Item pod assignment → Association of Items(&amp; PSA) → Decision Rule  </a:t>
             </a:r>
           </a:p>
@@ -9337,7 +9382,7 @@
                 <a:spcPct val="100000"/>
               </a:lnSpc>
             </a:pPr>
-            <a:endParaRPr lang="en-US" altLang="ko-KR" sz="1600"/>
+            <a:endParaRPr lang="en-US" altLang="ko-KR" sz="1600" dirty="0"/>
           </a:p>
           <a:p>
             <a:pPr>
@@ -9346,7 +9391,7 @@
               </a:lnSpc>
             </a:pPr>
             <a:r>
-              <a:rPr lang="en-US" altLang="ko-KR"/>
+              <a:rPr lang="en-US" altLang="ko-KR" dirty="0"/>
               <a:t>Classification (Association of Items)</a:t>
             </a:r>
           </a:p>
@@ -9357,7 +9402,7 @@
               </a:lnSpc>
             </a:pPr>
             <a:r>
-              <a:rPr lang="en-US" altLang="ko-KR"/>
+              <a:rPr lang="en-US" altLang="ko-KR" dirty="0"/>
               <a:t>Clarify all the stock Code (# and type of items)</a:t>
             </a:r>
           </a:p>
@@ -9368,7 +9413,7 @@
               </a:lnSpc>
             </a:pPr>
             <a:r>
-              <a:rPr lang="en-US" altLang="ko-KR"/>
+              <a:rPr lang="en-US" altLang="ko-KR" dirty="0"/>
               <a:t>Make a related weight based on Customer ID</a:t>
             </a:r>
           </a:p>
@@ -9379,7 +9424,7 @@
               </a:lnSpc>
             </a:pPr>
             <a:r>
-              <a:rPr lang="en-US" altLang="ko-KR"/>
+              <a:rPr lang="en-US" altLang="ko-KR" dirty="0"/>
               <a:t>Other features</a:t>
             </a:r>
           </a:p>
@@ -9390,7 +9435,7 @@
               </a:lnSpc>
             </a:pPr>
             <a:r>
-              <a:rPr lang="en-US" altLang="ko-KR"/>
+              <a:rPr lang="en-US" altLang="ko-KR" dirty="0"/>
               <a:t>Quantity </a:t>
             </a:r>
           </a:p>
@@ -9401,9 +9446,14 @@
               </a:lnSpc>
             </a:pPr>
             <a:r>
-              <a:rPr lang="en-US" altLang="ko-KR"/>
-              <a:t>Period based on InvoiceDate</a:t>
-            </a:r>
+              <a:rPr lang="en-US" altLang="ko-KR" dirty="0"/>
+              <a:t>Period based on </a:t>
+            </a:r>
+            <a:r>
+              <a:rPr lang="en-US" altLang="ko-KR" dirty="0" err="1"/>
+              <a:t>InvoiceDate</a:t>
+            </a:r>
+            <a:endParaRPr lang="en-US" altLang="ko-KR" dirty="0"/>
           </a:p>
           <a:p>
             <a:pPr>
@@ -9411,7 +9461,7 @@
                 <a:spcPct val="100000"/>
               </a:lnSpc>
             </a:pPr>
-            <a:endParaRPr lang="en-US" altLang="ko-KR"/>
+            <a:endParaRPr lang="en-US" altLang="ko-KR" dirty="0"/>
           </a:p>
           <a:p>
             <a:pPr lvl="2">
@@ -9419,7 +9469,7 @@
                 <a:spcPct val="100000"/>
               </a:lnSpc>
             </a:pPr>
-            <a:endParaRPr lang="en-US" altLang="ko-KR"/>
+            <a:endParaRPr lang="en-US" altLang="ko-KR" dirty="0"/>
           </a:p>
           <a:p>
             <a:pPr lvl="1">
@@ -9427,7 +9477,7 @@
                 <a:spcPct val="100000"/>
               </a:lnSpc>
             </a:pPr>
-            <a:endParaRPr lang="en-US" altLang="ko-KR" sz="1600"/>
+            <a:endParaRPr lang="en-US" altLang="ko-KR" sz="1600" dirty="0"/>
           </a:p>
           <a:p>
             <a:pPr lvl="1">
@@ -9435,7 +9485,7 @@
                 <a:spcPct val="100000"/>
               </a:lnSpc>
             </a:pPr>
-            <a:endParaRPr lang="ko-KR" altLang="en-US"/>
+            <a:endParaRPr lang="ko-KR" altLang="en-US" dirty="0"/>
           </a:p>
         </p:txBody>
       </p:sp>
@@ -9521,10 +9571,10 @@
           <a:lstStyle/>
           <a:p>
             <a:r>
-              <a:rPr lang="en-US" altLang="ko-KR"/>
-              <a:t>Proposal suggestion</a:t>
-            </a:r>
-            <a:endParaRPr lang="ko-KR" altLang="en-US"/>
+              <a:rPr lang="en-US" altLang="ko-KR" dirty="0"/>
+              <a:t>Proposal Discussion</a:t>
+            </a:r>
+            <a:endParaRPr lang="ko-KR" altLang="en-US" dirty="0"/>
           </a:p>
         </p:txBody>
       </p:sp>
@@ -9562,7 +9612,7 @@
               </a:lnSpc>
             </a:pPr>
             <a:r>
-              <a:rPr lang="en-US" altLang="ko-KR"/>
+              <a:rPr lang="en-US" altLang="ko-KR" dirty="0"/>
               <a:t>How to compare ? </a:t>
             </a:r>
           </a:p>
@@ -9573,8 +9623,16 @@
               </a:lnSpc>
             </a:pPr>
             <a:r>
-              <a:rPr lang="en-US" altLang="ko-KR"/>
-              <a:t>Analysis for RAWSim-O</a:t>
+              <a:rPr lang="en-US" altLang="ko-KR" dirty="0"/>
+              <a:t>Analysis for </a:t>
+            </a:r>
+            <a:r>
+              <a:rPr lang="en-US" altLang="ko-KR" dirty="0" err="1"/>
+              <a:t>RAWSim</a:t>
+            </a:r>
+            <a:r>
+              <a:rPr lang="en-US" altLang="ko-KR" dirty="0"/>
+              <a:t>-O</a:t>
             </a:r>
           </a:p>
           <a:p>
@@ -9584,7 +9642,7 @@
               </a:lnSpc>
             </a:pPr>
             <a:r>
-              <a:rPr lang="en-US" altLang="ko-KR"/>
+              <a:rPr lang="en-US" altLang="ko-KR" dirty="0"/>
               <a:t>Control Group vs Experiment Group</a:t>
             </a:r>
           </a:p>
@@ -9595,7 +9653,7 @@
               </a:lnSpc>
             </a:pPr>
             <a:r>
-              <a:rPr lang="en-US" altLang="ko-KR"/>
+              <a:rPr lang="en-US" altLang="ko-KR" dirty="0"/>
               <a:t>w/o change</a:t>
             </a:r>
           </a:p>
@@ -9606,7 +9664,7 @@
               </a:lnSpc>
             </a:pPr>
             <a:r>
-              <a:rPr lang="en-US" altLang="ko-KR"/>
+              <a:rPr lang="en-US" altLang="ko-KR" dirty="0"/>
               <a:t>Only PSA or Only classification</a:t>
             </a:r>
           </a:p>
@@ -9617,7 +9675,7 @@
               </a:lnSpc>
             </a:pPr>
             <a:r>
-              <a:rPr lang="en-US" altLang="ko-KR"/>
+              <a:rPr lang="en-US" altLang="ko-KR" dirty="0"/>
               <a:t>Both PSA and Classification</a:t>
             </a:r>
           </a:p>
@@ -9627,7 +9685,40 @@
                 <a:spcPct val="100000"/>
               </a:lnSpc>
             </a:pPr>
-            <a:endParaRPr lang="en-US" altLang="ko-KR"/>
+            <a:endParaRPr lang="en-US" altLang="ko-KR" dirty="0"/>
+          </a:p>
+          <a:p>
+            <a:pPr>
+              <a:lnSpc>
+                <a:spcPct val="100000"/>
+              </a:lnSpc>
+            </a:pPr>
+            <a:r>
+              <a:rPr lang="en-US" altLang="ko-KR" dirty="0"/>
+              <a:t>How to Apply</a:t>
+            </a:r>
+          </a:p>
+          <a:p>
+            <a:pPr lvl="1">
+              <a:lnSpc>
+                <a:spcPct val="100000"/>
+              </a:lnSpc>
+            </a:pPr>
+            <a:r>
+              <a:rPr lang="en-US" altLang="ko-KR" dirty="0"/>
+              <a:t>Classification → Apply results as make an instance</a:t>
+            </a:r>
+          </a:p>
+          <a:p>
+            <a:pPr lvl="1">
+              <a:lnSpc>
+                <a:spcPct val="100000"/>
+              </a:lnSpc>
+            </a:pPr>
+            <a:r>
+              <a:rPr lang="en-US" altLang="ko-KR" dirty="0"/>
+              <a:t>PSA...?</a:t>
+            </a:r>
           </a:p>
           <a:p>
             <a:pPr lvl="2">
@@ -9635,7 +9726,7 @@
                 <a:spcPct val="100000"/>
               </a:lnSpc>
             </a:pPr>
-            <a:endParaRPr lang="en-US" altLang="ko-KR"/>
+            <a:endParaRPr lang="en-US" altLang="ko-KR" dirty="0"/>
           </a:p>
           <a:p>
             <a:pPr>
@@ -9644,7 +9735,7 @@
               </a:lnSpc>
             </a:pPr>
             <a:r>
-              <a:rPr lang="en-US" altLang="ko-KR"/>
+              <a:rPr lang="en-US" altLang="ko-KR" dirty="0"/>
               <a:t>Decision Rule</a:t>
             </a:r>
           </a:p>
@@ -9655,7 +9746,7 @@
               </a:lnSpc>
             </a:pPr>
             <a:r>
-              <a:rPr lang="en-US" altLang="ko-KR"/>
+              <a:rPr lang="en-US" altLang="ko-KR" dirty="0"/>
               <a:t>Arrangement of pods (PSA) vs Arrangement of robots (TA)</a:t>
             </a:r>
           </a:p>
@@ -9666,7 +9757,7 @@
               </a:lnSpc>
             </a:pPr>
             <a:r>
-              <a:rPr lang="en-US" altLang="ko-KR"/>
+              <a:rPr lang="en-US" altLang="ko-KR" dirty="0"/>
               <a:t>Algorithm</a:t>
             </a:r>
           </a:p>
@@ -9676,7 +9767,7 @@
                 <a:spcPct val="100000"/>
               </a:lnSpc>
             </a:pPr>
-            <a:endParaRPr lang="ko-KR" altLang="en-US"/>
+            <a:endParaRPr lang="ko-KR" altLang="en-US" dirty="0"/>
           </a:p>
         </p:txBody>
       </p:sp>
